--- a/CYBER360-5.4-COM.pptx
+++ b/CYBER360-5.4-COM.pptx
@@ -377,7 +377,7 @@
           <a:p>
             <a:fld id="{71087A05-F855-4434-8DDE-39A8542098A6}" type="datetimeFigureOut">
               <a:rPr lang="en-US" smtClean="0"/>
-              <a:t>11/21/2024</a:t>
+              <a:t>2/11/2025</a:t>
             </a:fld>
             <a:endParaRPr lang="en-US"/>
           </a:p>
@@ -615,7 +615,7 @@
           <a:p>
             <a:fld id="{71087A05-F855-4434-8DDE-39A8542098A6}" type="datetimeFigureOut">
               <a:rPr lang="en-US" smtClean="0"/>
-              <a:t>11/21/2024</a:t>
+              <a:t>2/11/2025</a:t>
             </a:fld>
             <a:endParaRPr lang="en-US"/>
           </a:p>
@@ -851,7 +851,7 @@
           <a:p>
             <a:fld id="{421996D4-4A1C-4BBC-AA2B-FD5B7FC395A0}" type="datetime1">
               <a:rPr lang="en-US" smtClean="0"/>
-              <a:t>11/21/2024</a:t>
+              <a:t>2/11/2025</a:t>
             </a:fld>
             <a:endParaRPr lang="en-US"/>
           </a:p>
@@ -1154,7 +1154,7 @@
           <a:p>
             <a:fld id="{71087A05-F855-4434-8DDE-39A8542098A6}" type="datetimeFigureOut">
               <a:rPr lang="en-US" smtClean="0"/>
-              <a:t>11/21/2024</a:t>
+              <a:t>2/11/2025</a:t>
             </a:fld>
             <a:endParaRPr lang="en-US"/>
           </a:p>
@@ -1459,7 +1459,7 @@
           <a:p>
             <a:fld id="{71087A05-F855-4434-8DDE-39A8542098A6}" type="datetimeFigureOut">
               <a:rPr lang="en-US" smtClean="0"/>
-              <a:t>11/21/2024</a:t>
+              <a:t>2/11/2025</a:t>
             </a:fld>
             <a:endParaRPr lang="en-US"/>
           </a:p>
@@ -1762,7 +1762,7 @@
           <a:p>
             <a:fld id="{71087A05-F855-4434-8DDE-39A8542098A6}" type="datetimeFigureOut">
               <a:rPr lang="en-US" smtClean="0"/>
-              <a:t>11/21/2024</a:t>
+              <a:t>2/11/2025</a:t>
             </a:fld>
             <a:endParaRPr lang="en-US"/>
           </a:p>
@@ -2213,7 +2213,7 @@
           <a:p>
             <a:fld id="{71087A05-F855-4434-8DDE-39A8542098A6}" type="datetimeFigureOut">
               <a:rPr lang="en-US" smtClean="0"/>
-              <a:t>11/21/2024</a:t>
+              <a:t>2/11/2025</a:t>
             </a:fld>
             <a:endParaRPr lang="en-US"/>
           </a:p>
@@ -2386,7 +2386,7 @@
           <a:p>
             <a:fld id="{71087A05-F855-4434-8DDE-39A8542098A6}" type="datetimeFigureOut">
               <a:rPr lang="en-US" smtClean="0"/>
-              <a:t>11/21/2024</a:t>
+              <a:t>2/11/2025</a:t>
             </a:fld>
             <a:endParaRPr lang="en-US"/>
           </a:p>
@@ -2523,7 +2523,7 @@
           <a:p>
             <a:fld id="{71087A05-F855-4434-8DDE-39A8542098A6}" type="datetimeFigureOut">
               <a:rPr lang="en-US" smtClean="0"/>
-              <a:t>11/21/2024</a:t>
+              <a:t>2/11/2025</a:t>
             </a:fld>
             <a:endParaRPr lang="en-US"/>
           </a:p>
@@ -2867,7 +2867,7 @@
           <a:p>
             <a:fld id="{71087A05-F855-4434-8DDE-39A8542098A6}" type="datetimeFigureOut">
               <a:rPr lang="en-US" smtClean="0"/>
-              <a:t>11/21/2024</a:t>
+              <a:t>2/11/2025</a:t>
             </a:fld>
             <a:endParaRPr lang="en-US"/>
           </a:p>
@@ -3191,7 +3191,7 @@
           <a:p>
             <a:fld id="{71087A05-F855-4434-8DDE-39A8542098A6}" type="datetimeFigureOut">
               <a:rPr lang="en-US" smtClean="0"/>
-              <a:t>11/21/2024</a:t>
+              <a:t>2/11/2025</a:t>
             </a:fld>
             <a:endParaRPr lang="en-US"/>
           </a:p>
@@ -4225,6 +4225,9 @@
               <a:rPr lang="en-US" dirty="0"/>
               <a:t>A DLL upgrade to fix an issue with one app may interfere with or break another app. </a:t>
             </a:r>
+            <a:br>
+              <a:rPr lang="en-US" dirty="0"/>
+            </a:br>
             <a:r>
               <a:rPr lang="en-US" i="1" dirty="0"/>
               <a:t>(“DLL hell”)</a:t>

--- a/CYBER360-5.4-COM.pptx
+++ b/CYBER360-5.4-COM.pptx
@@ -377,7 +377,7 @@
           <a:p>
             <a:fld id="{71087A05-F855-4434-8DDE-39A8542098A6}" type="datetimeFigureOut">
               <a:rPr lang="en-US" smtClean="0"/>
-              <a:t>2/11/2025</a:t>
+              <a:t>3/19/2025</a:t>
             </a:fld>
             <a:endParaRPr lang="en-US"/>
           </a:p>
@@ -615,7 +615,7 @@
           <a:p>
             <a:fld id="{71087A05-F855-4434-8DDE-39A8542098A6}" type="datetimeFigureOut">
               <a:rPr lang="en-US" smtClean="0"/>
-              <a:t>2/11/2025</a:t>
+              <a:t>3/19/2025</a:t>
             </a:fld>
             <a:endParaRPr lang="en-US"/>
           </a:p>
@@ -851,7 +851,7 @@
           <a:p>
             <a:fld id="{421996D4-4A1C-4BBC-AA2B-FD5B7FC395A0}" type="datetime1">
               <a:rPr lang="en-US" smtClean="0"/>
-              <a:t>2/11/2025</a:t>
+              <a:t>3/19/2025</a:t>
             </a:fld>
             <a:endParaRPr lang="en-US"/>
           </a:p>
@@ -1154,7 +1154,7 @@
           <a:p>
             <a:fld id="{71087A05-F855-4434-8DDE-39A8542098A6}" type="datetimeFigureOut">
               <a:rPr lang="en-US" smtClean="0"/>
-              <a:t>2/11/2025</a:t>
+              <a:t>3/19/2025</a:t>
             </a:fld>
             <a:endParaRPr lang="en-US"/>
           </a:p>
@@ -1459,7 +1459,7 @@
           <a:p>
             <a:fld id="{71087A05-F855-4434-8DDE-39A8542098A6}" type="datetimeFigureOut">
               <a:rPr lang="en-US" smtClean="0"/>
-              <a:t>2/11/2025</a:t>
+              <a:t>3/19/2025</a:t>
             </a:fld>
             <a:endParaRPr lang="en-US"/>
           </a:p>
@@ -1762,7 +1762,7 @@
           <a:p>
             <a:fld id="{71087A05-F855-4434-8DDE-39A8542098A6}" type="datetimeFigureOut">
               <a:rPr lang="en-US" smtClean="0"/>
-              <a:t>2/11/2025</a:t>
+              <a:t>3/19/2025</a:t>
             </a:fld>
             <a:endParaRPr lang="en-US"/>
           </a:p>
@@ -2213,7 +2213,7 @@
           <a:p>
             <a:fld id="{71087A05-F855-4434-8DDE-39A8542098A6}" type="datetimeFigureOut">
               <a:rPr lang="en-US" smtClean="0"/>
-              <a:t>2/11/2025</a:t>
+              <a:t>3/19/2025</a:t>
             </a:fld>
             <a:endParaRPr lang="en-US"/>
           </a:p>
@@ -2386,7 +2386,7 @@
           <a:p>
             <a:fld id="{71087A05-F855-4434-8DDE-39A8542098A6}" type="datetimeFigureOut">
               <a:rPr lang="en-US" smtClean="0"/>
-              <a:t>2/11/2025</a:t>
+              <a:t>3/19/2025</a:t>
             </a:fld>
             <a:endParaRPr lang="en-US"/>
           </a:p>
@@ -2523,7 +2523,7 @@
           <a:p>
             <a:fld id="{71087A05-F855-4434-8DDE-39A8542098A6}" type="datetimeFigureOut">
               <a:rPr lang="en-US" smtClean="0"/>
-              <a:t>2/11/2025</a:t>
+              <a:t>3/19/2025</a:t>
             </a:fld>
             <a:endParaRPr lang="en-US"/>
           </a:p>
@@ -2867,7 +2867,7 @@
           <a:p>
             <a:fld id="{71087A05-F855-4434-8DDE-39A8542098A6}" type="datetimeFigureOut">
               <a:rPr lang="en-US" smtClean="0"/>
-              <a:t>2/11/2025</a:t>
+              <a:t>3/19/2025</a:t>
             </a:fld>
             <a:endParaRPr lang="en-US"/>
           </a:p>
@@ -3191,7 +3191,7 @@
           <a:p>
             <a:fld id="{71087A05-F855-4434-8DDE-39A8542098A6}" type="datetimeFigureOut">
               <a:rPr lang="en-US" smtClean="0"/>
-              <a:t>2/11/2025</a:t>
+              <a:t>3/19/2025</a:t>
             </a:fld>
             <a:endParaRPr lang="en-US"/>
           </a:p>
@@ -3777,7 +3777,14 @@
           <a:p>
             <a:r>
               <a:rPr lang="en-US" dirty="0"/>
-              <a:t>CIT 361/CYBER 360: Advanced Scripting</a:t>
+              <a:t>CYBER 360: </a:t>
+            </a:r>
+            <a:br>
+              <a:rPr lang="en-US" dirty="0"/>
+            </a:br>
+            <a:r>
+              <a:rPr lang="en-US" dirty="0"/>
+              <a:t>Advanced Scripting</a:t>
             </a:r>
           </a:p>
         </p:txBody>
